--- a/resources/design_files/画像作成.pptx
+++ b/resources/design_files/画像作成.pptx
@@ -107,11 +107,149 @@
       </a:defRPr>
     </a:lvl9pPr>
   </p:defaultTextStyle>
+  <p:extLst>
+    <p:ext uri="{EFAFB233-063F-42B5-8137-9DF3F51BA10A}">
+      <p15:sldGuideLst xmlns:p15="http://schemas.microsoft.com/office/powerpoint/2012/main"/>
+    </p:ext>
+  </p:extLst>
 </p:presentation>
 </file>
 
 <file path=ppt/changesInfos/changesInfo1.xml><?xml version="1.0" encoding="utf-8"?>
 <pc:chgInfo xmlns:a="http://schemas.openxmlformats.org/drawingml/2006/main" xmlns:r="http://schemas.openxmlformats.org/officeDocument/2006/relationships" xmlns:ac="http://schemas.microsoft.com/office/drawing/2013/main/command" xmlns:pc="http://schemas.microsoft.com/office/powerpoint/2013/main/command">
+  <pc:docChgLst>
+    <pc:chgData name="晋 小山田" userId="eb56e1a646e5d9b0" providerId="LiveId" clId="{1B446AD0-A819-46CF-812E-AC0A3C6875B9}"/>
+    <pc:docChg chg="custSel modSld">
+      <pc:chgData name="晋 小山田" userId="eb56e1a646e5d9b0" providerId="LiveId" clId="{1B446AD0-A819-46CF-812E-AC0A3C6875B9}" dt="2025-04-03T07:38:44.477" v="56" actId="1076"/>
+      <pc:docMkLst>
+        <pc:docMk/>
+      </pc:docMkLst>
+      <pc:sldChg chg="delSp modSp mod">
+        <pc:chgData name="晋 小山田" userId="eb56e1a646e5d9b0" providerId="LiveId" clId="{1B446AD0-A819-46CF-812E-AC0A3C6875B9}" dt="2025-04-03T07:36:54.651" v="51" actId="14100"/>
+        <pc:sldMkLst>
+          <pc:docMk/>
+          <pc:sldMk cId="891275230" sldId="256"/>
+        </pc:sldMkLst>
+        <pc:spChg chg="mod">
+          <ac:chgData name="晋 小山田" userId="eb56e1a646e5d9b0" providerId="LiveId" clId="{1B446AD0-A819-46CF-812E-AC0A3C6875B9}" dt="2025-04-03T07:31:14.306" v="34" actId="14100"/>
+          <ac:spMkLst>
+            <pc:docMk/>
+            <pc:sldMk cId="891275230" sldId="256"/>
+            <ac:spMk id="4" creationId="{296321F2-BA00-4DB9-BAC2-CC11D65D0AA2}"/>
+          </ac:spMkLst>
+        </pc:spChg>
+        <pc:spChg chg="del">
+          <ac:chgData name="晋 小山田" userId="eb56e1a646e5d9b0" providerId="LiveId" clId="{1B446AD0-A819-46CF-812E-AC0A3C6875B9}" dt="2025-04-03T07:29:18.330" v="0" actId="478"/>
+          <ac:spMkLst>
+            <pc:docMk/>
+            <pc:sldMk cId="891275230" sldId="256"/>
+            <ac:spMk id="8" creationId="{4F784549-DE67-4496-AB60-34FC6B09EC35}"/>
+          </ac:spMkLst>
+        </pc:spChg>
+        <pc:picChg chg="mod">
+          <ac:chgData name="晋 小山田" userId="eb56e1a646e5d9b0" providerId="LiveId" clId="{1B446AD0-A819-46CF-812E-AC0A3C6875B9}" dt="2025-04-03T07:36:54.651" v="51" actId="14100"/>
+          <ac:picMkLst>
+            <pc:docMk/>
+            <pc:sldMk cId="891275230" sldId="256"/>
+            <ac:picMk id="1026" creationId="{D9F83B63-2512-481C-8FC1-5E4E0DC41094}"/>
+          </ac:picMkLst>
+        </pc:picChg>
+      </pc:sldChg>
+      <pc:sldChg chg="delSp modSp mod">
+        <pc:chgData name="晋 小山田" userId="eb56e1a646e5d9b0" providerId="LiveId" clId="{1B446AD0-A819-46CF-812E-AC0A3C6875B9}" dt="2025-04-03T07:36:47.510" v="49" actId="1076"/>
+        <pc:sldMkLst>
+          <pc:docMk/>
+          <pc:sldMk cId="2437479384" sldId="257"/>
+        </pc:sldMkLst>
+        <pc:spChg chg="mod">
+          <ac:chgData name="晋 小山田" userId="eb56e1a646e5d9b0" providerId="LiveId" clId="{1B446AD0-A819-46CF-812E-AC0A3C6875B9}" dt="2025-04-03T07:31:06.056" v="30" actId="14100"/>
+          <ac:spMkLst>
+            <pc:docMk/>
+            <pc:sldMk cId="2437479384" sldId="257"/>
+            <ac:spMk id="2" creationId="{5E9BE4C7-9367-467E-A81C-7E14C7FD740B}"/>
+          </ac:spMkLst>
+        </pc:spChg>
+        <pc:spChg chg="del">
+          <ac:chgData name="晋 小山田" userId="eb56e1a646e5d9b0" providerId="LiveId" clId="{1B446AD0-A819-46CF-812E-AC0A3C6875B9}" dt="2025-04-03T07:30:00.716" v="8" actId="478"/>
+          <ac:spMkLst>
+            <pc:docMk/>
+            <pc:sldMk cId="2437479384" sldId="257"/>
+            <ac:spMk id="9" creationId="{ED346915-0658-4292-84F5-02420A3E3832}"/>
+          </ac:spMkLst>
+        </pc:spChg>
+        <pc:picChg chg="mod">
+          <ac:chgData name="晋 小山田" userId="eb56e1a646e5d9b0" providerId="LiveId" clId="{1B446AD0-A819-46CF-812E-AC0A3C6875B9}" dt="2025-04-03T07:36:47.510" v="49" actId="1076"/>
+          <ac:picMkLst>
+            <pc:docMk/>
+            <pc:sldMk cId="2437479384" sldId="257"/>
+            <ac:picMk id="2052" creationId="{B6BFBEA4-EE94-44C6-AD0D-413047058B6B}"/>
+          </ac:picMkLst>
+        </pc:picChg>
+      </pc:sldChg>
+      <pc:sldChg chg="delSp modSp mod">
+        <pc:chgData name="晋 小山田" userId="eb56e1a646e5d9b0" providerId="LiveId" clId="{1B446AD0-A819-46CF-812E-AC0A3C6875B9}" dt="2025-04-03T07:38:26.231" v="52" actId="1076"/>
+        <pc:sldMkLst>
+          <pc:docMk/>
+          <pc:sldMk cId="128448319" sldId="258"/>
+        </pc:sldMkLst>
+        <pc:spChg chg="mod">
+          <ac:chgData name="晋 小山田" userId="eb56e1a646e5d9b0" providerId="LiveId" clId="{1B446AD0-A819-46CF-812E-AC0A3C6875B9}" dt="2025-04-03T07:30:45.457" v="20" actId="255"/>
+          <ac:spMkLst>
+            <pc:docMk/>
+            <pc:sldMk cId="128448319" sldId="258"/>
+            <ac:spMk id="2" creationId="{39D889D9-F345-489C-B643-10C91C497325}"/>
+          </ac:spMkLst>
+        </pc:spChg>
+        <pc:spChg chg="del">
+          <ac:chgData name="晋 小山田" userId="eb56e1a646e5d9b0" providerId="LiveId" clId="{1B446AD0-A819-46CF-812E-AC0A3C6875B9}" dt="2025-04-03T07:30:32.014" v="15" actId="478"/>
+          <ac:spMkLst>
+            <pc:docMk/>
+            <pc:sldMk cId="128448319" sldId="258"/>
+            <ac:spMk id="5" creationId="{7340B8AC-7203-4BFB-B236-58E110F41DD8}"/>
+          </ac:spMkLst>
+        </pc:spChg>
+        <pc:picChg chg="mod">
+          <ac:chgData name="晋 小山田" userId="eb56e1a646e5d9b0" providerId="LiveId" clId="{1B446AD0-A819-46CF-812E-AC0A3C6875B9}" dt="2025-04-03T07:38:26.231" v="52" actId="1076"/>
+          <ac:picMkLst>
+            <pc:docMk/>
+            <pc:sldMk cId="128448319" sldId="258"/>
+            <ac:picMk id="3" creationId="{E311B73C-F004-46F7-B3D6-301BDB0F3EEC}"/>
+          </ac:picMkLst>
+        </pc:picChg>
+      </pc:sldChg>
+      <pc:sldChg chg="delSp modSp mod">
+        <pc:chgData name="晋 小山田" userId="eb56e1a646e5d9b0" providerId="LiveId" clId="{1B446AD0-A819-46CF-812E-AC0A3C6875B9}" dt="2025-04-03T07:38:44.477" v="56" actId="1076"/>
+        <pc:sldMkLst>
+          <pc:docMk/>
+          <pc:sldMk cId="1509368096" sldId="259"/>
+        </pc:sldMkLst>
+        <pc:spChg chg="mod">
+          <ac:chgData name="晋 小山田" userId="eb56e1a646e5d9b0" providerId="LiveId" clId="{1B446AD0-A819-46CF-812E-AC0A3C6875B9}" dt="2025-04-03T07:36:34.147" v="44" actId="255"/>
+          <ac:spMkLst>
+            <pc:docMk/>
+            <pc:sldMk cId="1509368096" sldId="259"/>
+            <ac:spMk id="2" creationId="{9C63363B-E821-437B-B34B-B468A0050EF5}"/>
+          </ac:spMkLst>
+        </pc:spChg>
+        <pc:spChg chg="del">
+          <ac:chgData name="晋 小山田" userId="eb56e1a646e5d9b0" providerId="LiveId" clId="{1B446AD0-A819-46CF-812E-AC0A3C6875B9}" dt="2025-04-03T07:31:30.544" v="39" actId="478"/>
+          <ac:spMkLst>
+            <pc:docMk/>
+            <pc:sldMk cId="1509368096" sldId="259"/>
+            <ac:spMk id="6" creationId="{CC1BA6E7-72D0-4228-A0B5-9CB51E20A940}"/>
+          </ac:spMkLst>
+        </pc:spChg>
+        <pc:picChg chg="mod">
+          <ac:chgData name="晋 小山田" userId="eb56e1a646e5d9b0" providerId="LiveId" clId="{1B446AD0-A819-46CF-812E-AC0A3C6875B9}" dt="2025-04-03T07:38:44.477" v="56" actId="1076"/>
+          <ac:picMkLst>
+            <pc:docMk/>
+            <pc:sldMk cId="1509368096" sldId="259"/>
+            <ac:picMk id="4098" creationId="{D3498DCE-8F4B-468E-852C-C1259BFBA862}"/>
+          </ac:picMkLst>
+        </pc:picChg>
+      </pc:sldChg>
+    </pc:docChg>
+  </pc:docChgLst>
   <pc:docChgLst>
     <pc:chgData name="晋 小山田" userId="eb56e1a646e5d9b0" providerId="LiveId" clId="{2ACD405B-7A78-44E0-8339-48553BF09281}"/>
     <pc:docChg chg="undo custSel addSld modSld addMainMaster delMainMaster modMainMaster">
@@ -569,7 +707,7 @@
           <a:p>
             <a:fld id="{4615B201-24B9-44DF-9311-20C24C0047F0}" type="datetimeFigureOut">
               <a:rPr kumimoji="1" lang="ja-JP" altLang="en-US" smtClean="0"/>
-              <a:t>2025/3/27</a:t>
+              <a:t>2025/4/3</a:t>
             </a:fld>
             <a:endParaRPr kumimoji="1" lang="ja-JP" altLang="en-US"/>
           </a:p>
@@ -799,7 +937,7 @@
           <a:p>
             <a:fld id="{4615B201-24B9-44DF-9311-20C24C0047F0}" type="datetimeFigureOut">
               <a:rPr kumimoji="1" lang="ja-JP" altLang="en-US" smtClean="0"/>
-              <a:t>2025/3/27</a:t>
+              <a:t>2025/4/3</a:t>
             </a:fld>
             <a:endParaRPr kumimoji="1" lang="ja-JP" altLang="en-US"/>
           </a:p>
@@ -1039,7 +1177,7 @@
           <a:p>
             <a:fld id="{4615B201-24B9-44DF-9311-20C24C0047F0}" type="datetimeFigureOut">
               <a:rPr kumimoji="1" lang="ja-JP" altLang="en-US" smtClean="0"/>
-              <a:t>2025/3/27</a:t>
+              <a:t>2025/4/3</a:t>
             </a:fld>
             <a:endParaRPr kumimoji="1" lang="ja-JP" altLang="en-US"/>
           </a:p>
@@ -1269,7 +1407,7 @@
           <a:p>
             <a:fld id="{4615B201-24B9-44DF-9311-20C24C0047F0}" type="datetimeFigureOut">
               <a:rPr kumimoji="1" lang="ja-JP" altLang="en-US" smtClean="0"/>
-              <a:t>2025/3/27</a:t>
+              <a:t>2025/4/3</a:t>
             </a:fld>
             <a:endParaRPr kumimoji="1" lang="ja-JP" altLang="en-US"/>
           </a:p>
@@ -1544,7 +1682,7 @@
           <a:p>
             <a:fld id="{4615B201-24B9-44DF-9311-20C24C0047F0}" type="datetimeFigureOut">
               <a:rPr kumimoji="1" lang="ja-JP" altLang="en-US" smtClean="0"/>
-              <a:t>2025/3/27</a:t>
+              <a:t>2025/4/3</a:t>
             </a:fld>
             <a:endParaRPr kumimoji="1" lang="ja-JP" altLang="en-US"/>
           </a:p>
@@ -1873,7 +2011,7 @@
           <a:p>
             <a:fld id="{4615B201-24B9-44DF-9311-20C24C0047F0}" type="datetimeFigureOut">
               <a:rPr kumimoji="1" lang="ja-JP" altLang="en-US" smtClean="0"/>
-              <a:t>2025/3/27</a:t>
+              <a:t>2025/4/3</a:t>
             </a:fld>
             <a:endParaRPr kumimoji="1" lang="ja-JP" altLang="en-US"/>
           </a:p>
@@ -2349,7 +2487,7 @@
           <a:p>
             <a:fld id="{4615B201-24B9-44DF-9311-20C24C0047F0}" type="datetimeFigureOut">
               <a:rPr kumimoji="1" lang="ja-JP" altLang="en-US" smtClean="0"/>
-              <a:t>2025/3/27</a:t>
+              <a:t>2025/4/3</a:t>
             </a:fld>
             <a:endParaRPr kumimoji="1" lang="ja-JP" altLang="en-US"/>
           </a:p>
@@ -2490,7 +2628,7 @@
           <a:p>
             <a:fld id="{4615B201-24B9-44DF-9311-20C24C0047F0}" type="datetimeFigureOut">
               <a:rPr kumimoji="1" lang="ja-JP" altLang="en-US" smtClean="0"/>
-              <a:t>2025/3/27</a:t>
+              <a:t>2025/4/3</a:t>
             </a:fld>
             <a:endParaRPr kumimoji="1" lang="ja-JP" altLang="en-US"/>
           </a:p>
@@ -2603,7 +2741,7 @@
           <a:p>
             <a:fld id="{4615B201-24B9-44DF-9311-20C24C0047F0}" type="datetimeFigureOut">
               <a:rPr kumimoji="1" lang="ja-JP" altLang="en-US" smtClean="0"/>
-              <a:t>2025/3/27</a:t>
+              <a:t>2025/4/3</a:t>
             </a:fld>
             <a:endParaRPr kumimoji="1" lang="ja-JP" altLang="en-US"/>
           </a:p>
@@ -2946,7 +3084,7 @@
           <a:p>
             <a:fld id="{4615B201-24B9-44DF-9311-20C24C0047F0}" type="datetimeFigureOut">
               <a:rPr kumimoji="1" lang="ja-JP" altLang="en-US" smtClean="0"/>
-              <a:t>2025/3/27</a:t>
+              <a:t>2025/4/3</a:t>
             </a:fld>
             <a:endParaRPr kumimoji="1" lang="ja-JP" altLang="en-US"/>
           </a:p>
@@ -3234,7 +3372,7 @@
           <a:p>
             <a:fld id="{4615B201-24B9-44DF-9311-20C24C0047F0}" type="datetimeFigureOut">
               <a:rPr kumimoji="1" lang="ja-JP" altLang="en-US" smtClean="0"/>
-              <a:t>2025/3/27</a:t>
+              <a:t>2025/4/3</a:t>
             </a:fld>
             <a:endParaRPr kumimoji="1" lang="ja-JP" altLang="en-US"/>
           </a:p>
@@ -3507,7 +3645,7 @@
           <a:p>
             <a:fld id="{4615B201-24B9-44DF-9311-20C24C0047F0}" type="datetimeFigureOut">
               <a:rPr kumimoji="1" lang="ja-JP" altLang="en-US" smtClean="0"/>
-              <a:t>2025/3/27</a:t>
+              <a:t>2025/4/3</a:t>
             </a:fld>
             <a:endParaRPr kumimoji="1" lang="ja-JP" altLang="en-US"/>
           </a:p>
@@ -3939,7 +4077,7 @@
         <p:spPr>
           <a:xfrm>
             <a:off x="1064871" y="1419828"/>
-            <a:ext cx="3383666" cy="923330"/>
+            <a:ext cx="3989407" cy="523220"/>
           </a:xfrm>
           <a:prstGeom prst="rect">
             <a:avLst/>
@@ -3953,23 +4091,10 @@
           <a:lstStyle/>
           <a:p>
             <a:r>
-              <a:rPr kumimoji="1" lang="ja-JP" altLang="en-US" dirty="0"/>
+              <a:rPr kumimoji="1" lang="ja-JP" altLang="en-US" sz="2800" dirty="0"/>
               <a:t>すばらしい！！！！！</a:t>
             </a:r>
-            <a:endParaRPr kumimoji="1" lang="en-US" altLang="ja-JP" dirty="0"/>
-          </a:p>
-          <a:p>
-            <a:r>
-              <a:rPr kumimoji="1" lang="ja-JP" altLang="en-US" dirty="0"/>
-              <a:t>自然資源経営学科で才能を</a:t>
-            </a:r>
-            <a:br>
-              <a:rPr kumimoji="1" lang="en-US" altLang="ja-JP" dirty="0"/>
-            </a:br>
-            <a:r>
-              <a:rPr kumimoji="1" lang="ja-JP" altLang="en-US" dirty="0"/>
-              <a:t>開花させよう！</a:t>
-            </a:r>
+            <a:endParaRPr kumimoji="1" lang="en-US" altLang="ja-JP" sz="2800" dirty="0"/>
           </a:p>
         </p:txBody>
       </p:sp>
@@ -4002,8 +4127,8 @@
         </p:blipFill>
         <p:spPr bwMode="auto">
           <a:xfrm>
-            <a:off x="3487840" y="1288651"/>
-            <a:ext cx="2766348" cy="2766348"/>
+            <a:off x="2464657" y="1681438"/>
+            <a:ext cx="2350410" cy="2350410"/>
           </a:xfrm>
           <a:prstGeom prst="rect">
             <a:avLst/>
@@ -4051,41 +4176,6 @@
             <a:r>
               <a:rPr lang="ja-JP" altLang="en-US" dirty="0"/>
               <a:t>https://tegakisozai.com/archives/7198</a:t>
-            </a:r>
-          </a:p>
-        </p:txBody>
-      </p:sp>
-      <p:sp>
-        <p:nvSpPr>
-          <p:cNvPr id="8" name="テキスト ボックス 7">
-            <a:extLst>
-              <a:ext uri="{FF2B5EF4-FFF2-40B4-BE49-F238E27FC236}">
-                <a16:creationId xmlns:a16="http://schemas.microsoft.com/office/drawing/2014/main" id="{4F784549-DE67-4496-AB60-34FC6B09EC35}"/>
-              </a:ext>
-            </a:extLst>
-          </p:cNvPr>
-          <p:cNvSpPr txBox="1"/>
-          <p:nvPr/>
-        </p:nvSpPr>
-        <p:spPr>
-          <a:xfrm>
-            <a:off x="3447327" y="3714977"/>
-            <a:ext cx="3383666" cy="369332"/>
-          </a:xfrm>
-          <a:prstGeom prst="rect">
-            <a:avLst/>
-          </a:prstGeom>
-          <a:noFill/>
-        </p:spPr>
-        <p:txBody>
-          <a:bodyPr wrap="square" rtlCol="0">
-            <a:spAutoFit/>
-          </a:bodyPr>
-          <a:lstStyle/>
-          <a:p>
-            <a:r>
-              <a:rPr kumimoji="1" lang="ja-JP" altLang="en-US" dirty="0"/>
-              <a:t>才能を開花させたクジラ</a:t>
             </a:r>
           </a:p>
         </p:txBody>
@@ -4135,7 +4225,7 @@
         <p:spPr>
           <a:xfrm>
             <a:off x="1064871" y="1419828"/>
-            <a:ext cx="3383666" cy="923330"/>
+            <a:ext cx="3333509" cy="523220"/>
           </a:xfrm>
           <a:prstGeom prst="rect">
             <a:avLst/>
@@ -4149,25 +4239,12 @@
           <a:lstStyle/>
           <a:p>
             <a:r>
-              <a:rPr kumimoji="1" lang="ja-JP" altLang="en-US" dirty="0"/>
+              <a:rPr kumimoji="1" lang="ja-JP" altLang="en-US" sz="2800" dirty="0"/>
               <a:t>なかなかやるな</a:t>
             </a:r>
             <a:r>
-              <a:rPr kumimoji="1" lang="en-US" altLang="ja-JP" dirty="0"/>
+              <a:rPr kumimoji="1" lang="en-US" altLang="ja-JP" sz="2800" dirty="0"/>
               <a:t>…</a:t>
-            </a:r>
-          </a:p>
-          <a:p>
-            <a:r>
-              <a:rPr kumimoji="1" lang="ja-JP" altLang="en-US" dirty="0"/>
-              <a:t>自然資源経営学科は</a:t>
-            </a:r>
-            <a:br>
-              <a:rPr kumimoji="1" lang="en-US" altLang="ja-JP" dirty="0"/>
-            </a:br>
-            <a:r>
-              <a:rPr kumimoji="1" lang="ja-JP" altLang="en-US" dirty="0"/>
-              <a:t>君を待っているぞ！</a:t>
             </a:r>
           </a:p>
         </p:txBody>
@@ -4201,8 +4278,8 @@
         </p:blipFill>
         <p:spPr bwMode="auto">
           <a:xfrm>
-            <a:off x="3118413" y="1558724"/>
-            <a:ext cx="2311079" cy="2311079"/>
+            <a:off x="2346768" y="2010135"/>
+            <a:ext cx="2083444" cy="2083444"/>
           </a:xfrm>
           <a:prstGeom prst="rect">
             <a:avLst/>
@@ -4250,41 +4327,6 @@
             <a:r>
               <a:rPr lang="ja-JP" altLang="en-US" dirty="0"/>
               <a:t>https://tegakisozai.com/archives/40503</a:t>
-            </a:r>
-          </a:p>
-        </p:txBody>
-      </p:sp>
-      <p:sp>
-        <p:nvSpPr>
-          <p:cNvPr id="9" name="テキスト ボックス 8">
-            <a:extLst>
-              <a:ext uri="{FF2B5EF4-FFF2-40B4-BE49-F238E27FC236}">
-                <a16:creationId xmlns:a16="http://schemas.microsoft.com/office/drawing/2014/main" id="{ED346915-0658-4292-84F5-02420A3E3832}"/>
-              </a:ext>
-            </a:extLst>
-          </p:cNvPr>
-          <p:cNvSpPr txBox="1"/>
-          <p:nvPr/>
-        </p:nvSpPr>
-        <p:spPr>
-          <a:xfrm>
-            <a:off x="3051858" y="3869803"/>
-            <a:ext cx="2550289" cy="369332"/>
-          </a:xfrm>
-          <a:prstGeom prst="rect">
-            <a:avLst/>
-          </a:prstGeom>
-          <a:noFill/>
-        </p:spPr>
-        <p:txBody>
-          <a:bodyPr wrap="square" rtlCol="0">
-            <a:spAutoFit/>
-          </a:bodyPr>
-          <a:lstStyle/>
-          <a:p>
-            <a:r>
-              <a:rPr kumimoji="1" lang="ja-JP" altLang="en-US" dirty="0"/>
-              <a:t>割とスキルの高いクマ</a:t>
             </a:r>
           </a:p>
         </p:txBody>
@@ -4333,8 +4375,8 @@
         </p:nvSpPr>
         <p:spPr>
           <a:xfrm>
-            <a:off x="1064871" y="1419828"/>
-            <a:ext cx="3383666" cy="1200329"/>
+            <a:off x="1010856" y="1419828"/>
+            <a:ext cx="2693043" cy="523220"/>
           </a:xfrm>
           <a:prstGeom prst="rect">
             <a:avLst/>
@@ -4348,29 +4390,8 @@
           <a:lstStyle/>
           <a:p>
             <a:r>
-              <a:rPr kumimoji="1" lang="ja-JP" altLang="en-US" dirty="0"/>
+              <a:rPr kumimoji="1" lang="ja-JP" altLang="en-US" sz="2800" dirty="0"/>
               <a:t>がんばったね！</a:t>
-            </a:r>
-            <a:br>
-              <a:rPr kumimoji="1" lang="en-US" altLang="ja-JP" dirty="0"/>
-            </a:br>
-            <a:r>
-              <a:rPr kumimoji="1" lang="ja-JP" altLang="en-US" dirty="0"/>
-              <a:t>自然資源経営学科は</a:t>
-            </a:r>
-            <a:br>
-              <a:rPr kumimoji="1" lang="en-US" altLang="ja-JP" dirty="0"/>
-            </a:br>
-            <a:r>
-              <a:rPr kumimoji="1" lang="ja-JP" altLang="en-US" dirty="0"/>
-              <a:t>君を全力でサポート</a:t>
-            </a:r>
-            <a:endParaRPr kumimoji="1" lang="en-US" altLang="ja-JP" dirty="0"/>
-          </a:p>
-          <a:p>
-            <a:r>
-              <a:rPr kumimoji="1" lang="ja-JP" altLang="en-US" dirty="0"/>
-              <a:t>するよ！</a:t>
             </a:r>
           </a:p>
         </p:txBody>
@@ -4404,8 +4425,8 @@
         </p:blipFill>
         <p:spPr bwMode="auto">
           <a:xfrm>
-            <a:off x="2953955" y="1358579"/>
-            <a:ext cx="2547877" cy="2547877"/>
+            <a:off x="1793811" y="1904466"/>
+            <a:ext cx="2215151" cy="2215151"/>
           </a:xfrm>
           <a:prstGeom prst="rect">
             <a:avLst/>
@@ -4453,41 +4474,6 @@
             <a:r>
               <a:rPr lang="ja-JP" altLang="en-US" dirty="0"/>
               <a:t>https://tegakisozai.com/archives/25107</a:t>
-            </a:r>
-          </a:p>
-        </p:txBody>
-      </p:sp>
-      <p:sp>
-        <p:nvSpPr>
-          <p:cNvPr id="5" name="テキスト ボックス 4">
-            <a:extLst>
-              <a:ext uri="{FF2B5EF4-FFF2-40B4-BE49-F238E27FC236}">
-                <a16:creationId xmlns:a16="http://schemas.microsoft.com/office/drawing/2014/main" id="{7340B8AC-7203-4BFB-B236-58E110F41DD8}"/>
-              </a:ext>
-            </a:extLst>
-          </p:cNvPr>
-          <p:cNvSpPr txBox="1"/>
-          <p:nvPr/>
-        </p:nvSpPr>
-        <p:spPr>
-          <a:xfrm>
-            <a:off x="3204259" y="3680253"/>
-            <a:ext cx="2610090" cy="369332"/>
-          </a:xfrm>
-          <a:prstGeom prst="rect">
-            <a:avLst/>
-          </a:prstGeom>
-          <a:noFill/>
-        </p:spPr>
-        <p:txBody>
-          <a:bodyPr wrap="square" rtlCol="0">
-            <a:spAutoFit/>
-          </a:bodyPr>
-          <a:lstStyle/>
-          <a:p>
-            <a:r>
-              <a:rPr kumimoji="1" lang="ja-JP" altLang="en-US" dirty="0"/>
-              <a:t>癒やし効果強めのシカ</a:t>
             </a:r>
           </a:p>
         </p:txBody>
@@ -4537,7 +4523,7 @@
         <p:spPr>
           <a:xfrm>
             <a:off x="1064871" y="1419828"/>
-            <a:ext cx="3383666" cy="923330"/>
+            <a:ext cx="1404395" cy="523220"/>
           </a:xfrm>
           <a:prstGeom prst="rect">
             <a:avLst/>
@@ -4551,23 +4537,10 @@
           <a:lstStyle/>
           <a:p>
             <a:r>
-              <a:rPr kumimoji="1" lang="ja-JP" altLang="en-US" dirty="0"/>
-              <a:t>残念だ！</a:t>
-            </a:r>
-            <a:endParaRPr kumimoji="1" lang="en-US" altLang="ja-JP" dirty="0"/>
-          </a:p>
-          <a:p>
-            <a:r>
-              <a:rPr kumimoji="1" lang="ja-JP" altLang="en-US" dirty="0"/>
-              <a:t>だが自然資源経営学科は</a:t>
-            </a:r>
-            <a:br>
-              <a:rPr kumimoji="1" lang="en-US" altLang="ja-JP" dirty="0"/>
-            </a:br>
-            <a:r>
-              <a:rPr kumimoji="1" lang="ja-JP" altLang="en-US" dirty="0"/>
-              <a:t>君を決して見捨てない！</a:t>
-            </a:r>
+              <a:rPr kumimoji="1" lang="ja-JP" altLang="en-US" sz="2800" dirty="0"/>
+              <a:t>残念！</a:t>
+            </a:r>
+            <a:endParaRPr kumimoji="1" lang="en-US" altLang="ja-JP" sz="2800" dirty="0"/>
           </a:p>
         </p:txBody>
       </p:sp>
@@ -4600,7 +4573,7 @@
         </p:blipFill>
         <p:spPr bwMode="auto">
           <a:xfrm>
-            <a:off x="3407781" y="2146389"/>
+            <a:off x="1010855" y="1943048"/>
             <a:ext cx="1659038" cy="1659038"/>
           </a:xfrm>
           <a:prstGeom prst="rect">
@@ -4649,41 +4622,6 @@
             <a:r>
               <a:rPr lang="ja-JP" altLang="en-US" dirty="0"/>
               <a:t>https://www.irasutoya.com/2016/01/blog-post_603.html</a:t>
-            </a:r>
-          </a:p>
-        </p:txBody>
-      </p:sp>
-      <p:sp>
-        <p:nvSpPr>
-          <p:cNvPr id="6" name="テキスト ボックス 5">
-            <a:extLst>
-              <a:ext uri="{FF2B5EF4-FFF2-40B4-BE49-F238E27FC236}">
-                <a16:creationId xmlns:a16="http://schemas.microsoft.com/office/drawing/2014/main" id="{CC1BA6E7-72D0-4228-A0B5-9CB51E20A940}"/>
-              </a:ext>
-            </a:extLst>
-          </p:cNvPr>
-          <p:cNvSpPr txBox="1"/>
-          <p:nvPr/>
-        </p:nvSpPr>
-        <p:spPr>
-          <a:xfrm>
-            <a:off x="2756704" y="3703402"/>
-            <a:ext cx="2935147" cy="369332"/>
-          </a:xfrm>
-          <a:prstGeom prst="rect">
-            <a:avLst/>
-          </a:prstGeom>
-          <a:noFill/>
-        </p:spPr>
-        <p:txBody>
-          <a:bodyPr wrap="square" rtlCol="0">
-            <a:spAutoFit/>
-          </a:bodyPr>
-          <a:lstStyle/>
-          <a:p>
-            <a:r>
-              <a:rPr kumimoji="1" lang="ja-JP" altLang="en-US" dirty="0"/>
-              <a:t>湖の底で臥薪嘗胆マリモ</a:t>
             </a:r>
           </a:p>
         </p:txBody>

--- a/resources/design_files/画像作成.pptx
+++ b/resources/design_files/画像作成.pptx
@@ -120,7 +120,7 @@
   <pc:docChgLst>
     <pc:chgData name="晋 小山田" userId="eb56e1a646e5d9b0" providerId="LiveId" clId="{1B446AD0-A819-46CF-812E-AC0A3C6875B9}"/>
     <pc:docChg chg="custSel modSld">
-      <pc:chgData name="晋 小山田" userId="eb56e1a646e5d9b0" providerId="LiveId" clId="{1B446AD0-A819-46CF-812E-AC0A3C6875B9}" dt="2025-04-03T07:38:44.477" v="56" actId="1076"/>
+      <pc:chgData name="晋 小山田" userId="eb56e1a646e5d9b0" providerId="LiveId" clId="{1B446AD0-A819-46CF-812E-AC0A3C6875B9}" dt="2025-04-03T07:41:06.266" v="60" actId="1076"/>
       <pc:docMkLst>
         <pc:docMk/>
       </pc:docMkLst>
@@ -218,7 +218,7 @@
         </pc:picChg>
       </pc:sldChg>
       <pc:sldChg chg="delSp modSp mod">
-        <pc:chgData name="晋 小山田" userId="eb56e1a646e5d9b0" providerId="LiveId" clId="{1B446AD0-A819-46CF-812E-AC0A3C6875B9}" dt="2025-04-03T07:38:44.477" v="56" actId="1076"/>
+        <pc:chgData name="晋 小山田" userId="eb56e1a646e5d9b0" providerId="LiveId" clId="{1B446AD0-A819-46CF-812E-AC0A3C6875B9}" dt="2025-04-03T07:41:06.266" v="60" actId="1076"/>
         <pc:sldMkLst>
           <pc:docMk/>
           <pc:sldMk cId="1509368096" sldId="259"/>
@@ -240,7 +240,7 @@
           </ac:spMkLst>
         </pc:spChg>
         <pc:picChg chg="mod">
-          <ac:chgData name="晋 小山田" userId="eb56e1a646e5d9b0" providerId="LiveId" clId="{1B446AD0-A819-46CF-812E-AC0A3C6875B9}" dt="2025-04-03T07:38:44.477" v="56" actId="1076"/>
+          <ac:chgData name="晋 小山田" userId="eb56e1a646e5d9b0" providerId="LiveId" clId="{1B446AD0-A819-46CF-812E-AC0A3C6875B9}" dt="2025-04-03T07:41:06.266" v="60" actId="1076"/>
           <ac:picMkLst>
             <pc:docMk/>
             <pc:sldMk cId="1509368096" sldId="259"/>
@@ -4573,8 +4573,8 @@
         </p:blipFill>
         <p:spPr bwMode="auto">
           <a:xfrm>
-            <a:off x="1010855" y="1943048"/>
-            <a:ext cx="1659038" cy="1659038"/>
+            <a:off x="1295615" y="1943048"/>
+            <a:ext cx="942906" cy="942906"/>
           </a:xfrm>
           <a:prstGeom prst="rect">
             <a:avLst/>
